--- a/hamit.pptx
+++ b/hamit.pptx
@@ -232,7 +232,7 @@
           <a:p>
             <a:fld id="{4ADB7896-6128-431E-B81D-BC3E8A939DF8}" type="datetimeFigureOut">
               <a:rPr lang="tr-TR" smtClean="0"/>
-              <a:t>7.03.2021</a:t>
+              <a:t>8.03.2021</a:t>
             </a:fld>
             <a:endParaRPr lang="tr-TR" dirty="0"/>
           </a:p>
@@ -730,7 +730,7 @@
           <a:p>
             <a:fld id="{C4F64304-6163-4612-B6CC-CF554652777C}" type="datetime1">
               <a:rPr lang="tr-TR" smtClean="0"/>
-              <a:t>7.03.2021</a:t>
+              <a:t>8.03.2021</a:t>
             </a:fld>
             <a:endParaRPr lang="tr-TR" dirty="0"/>
           </a:p>
@@ -928,7 +928,7 @@
           <a:p>
             <a:fld id="{78E7E6B6-D9D2-4867-B7C0-A8640A2186AF}" type="datetime1">
               <a:rPr lang="tr-TR" smtClean="0"/>
-              <a:t>7.03.2021</a:t>
+              <a:t>8.03.2021</a:t>
             </a:fld>
             <a:endParaRPr lang="tr-TR" dirty="0"/>
           </a:p>
@@ -1136,7 +1136,7 @@
           <a:p>
             <a:fld id="{F0029F82-7E47-4E9E-B49D-003C4E36A632}" type="datetime1">
               <a:rPr lang="tr-TR" smtClean="0"/>
-              <a:t>7.03.2021</a:t>
+              <a:t>8.03.2021</a:t>
             </a:fld>
             <a:endParaRPr lang="tr-TR" dirty="0"/>
           </a:p>
@@ -1334,7 +1334,7 @@
           <a:p>
             <a:fld id="{CF615725-F917-45E6-9A33-770A3F590BE7}" type="datetime1">
               <a:rPr lang="tr-TR" smtClean="0"/>
-              <a:t>7.03.2021</a:t>
+              <a:t>8.03.2021</a:t>
             </a:fld>
             <a:endParaRPr lang="tr-TR" dirty="0"/>
           </a:p>
@@ -1609,7 +1609,7 @@
           <a:p>
             <a:fld id="{E18C5DAA-DAD0-4152-ABE7-15F5D3DD21B8}" type="datetime1">
               <a:rPr lang="tr-TR" smtClean="0"/>
-              <a:t>7.03.2021</a:t>
+              <a:t>8.03.2021</a:t>
             </a:fld>
             <a:endParaRPr lang="tr-TR" dirty="0"/>
           </a:p>
@@ -1874,7 +1874,7 @@
           <a:p>
             <a:fld id="{5A40177A-5F39-4786-B0C5-D32D690533B8}" type="datetime1">
               <a:rPr lang="tr-TR" smtClean="0"/>
-              <a:t>7.03.2021</a:t>
+              <a:t>8.03.2021</a:t>
             </a:fld>
             <a:endParaRPr lang="tr-TR" dirty="0"/>
           </a:p>
@@ -2286,7 +2286,7 @@
           <a:p>
             <a:fld id="{51B634AD-DE2D-4170-92BE-8FFFC830162A}" type="datetime1">
               <a:rPr lang="tr-TR" smtClean="0"/>
-              <a:t>7.03.2021</a:t>
+              <a:t>8.03.2021</a:t>
             </a:fld>
             <a:endParaRPr lang="tr-TR" dirty="0"/>
           </a:p>
@@ -2427,7 +2427,7 @@
           <a:p>
             <a:fld id="{5EBF6B0F-81F5-4D2C-9E10-7B30CA3ED86B}" type="datetime1">
               <a:rPr lang="tr-TR" smtClean="0"/>
-              <a:t>7.03.2021</a:t>
+              <a:t>8.03.2021</a:t>
             </a:fld>
             <a:endParaRPr lang="tr-TR" dirty="0"/>
           </a:p>
@@ -2540,7 +2540,7 @@
           <a:p>
             <a:fld id="{145C6B24-78D7-4D46-AFC1-1B9D14CA92C8}" type="datetime1">
               <a:rPr lang="tr-TR" smtClean="0"/>
-              <a:t>7.03.2021</a:t>
+              <a:t>8.03.2021</a:t>
             </a:fld>
             <a:endParaRPr lang="tr-TR" dirty="0"/>
           </a:p>
@@ -2851,7 +2851,7 @@
           <a:p>
             <a:fld id="{9D677EBC-1F1C-43C2-9E12-430A11728EC8}" type="datetime1">
               <a:rPr lang="tr-TR" smtClean="0"/>
-              <a:t>7.03.2021</a:t>
+              <a:t>8.03.2021</a:t>
             </a:fld>
             <a:endParaRPr lang="tr-TR" dirty="0"/>
           </a:p>
@@ -3139,7 +3139,7 @@
           <a:p>
             <a:fld id="{A3AC46AC-EF7A-4D03-B6E8-A1A70CC64AD3}" type="datetime1">
               <a:rPr lang="tr-TR" smtClean="0"/>
-              <a:t>7.03.2021</a:t>
+              <a:t>8.03.2021</a:t>
             </a:fld>
             <a:endParaRPr lang="tr-TR" dirty="0"/>
           </a:p>
@@ -3380,7 +3380,7 @@
           <a:p>
             <a:fld id="{E4C454CE-1031-4CA2-988B-B2C8308F4A12}" type="datetime1">
               <a:rPr lang="tr-TR" smtClean="0"/>
-              <a:t>7.03.2021</a:t>
+              <a:t>8.03.2021</a:t>
             </a:fld>
             <a:endParaRPr lang="tr-TR" dirty="0"/>
           </a:p>
@@ -9645,7 +9645,7 @@
                 <a:latin typeface="Times New Roman" panose="02020603050405020304" pitchFamily="18" charset="0"/>
                 <a:cs typeface="Times New Roman" panose="02020603050405020304" pitchFamily="18" charset="0"/>
               </a:rPr>
-              <a:t>ÖRNEK:</a:t>
+              <a:t>Örnek:</a:t>
             </a:r>
           </a:p>
         </p:txBody>
@@ -12859,45 +12859,6 @@
           </a:p>
         </p:txBody>
       </p:sp>
-      <p:sp>
-        <p:nvSpPr>
-          <p:cNvPr id="2" name="Başlık 1">
-            <a:extLst>
-              <a:ext uri="{FF2B5EF4-FFF2-40B4-BE49-F238E27FC236}">
-                <a16:creationId xmlns:a16="http://schemas.microsoft.com/office/drawing/2014/main" id="{CCFDB34D-D2EC-48D8-986D-315687D2788A}"/>
-              </a:ext>
-            </a:extLst>
-          </p:cNvPr>
-          <p:cNvSpPr>
-            <a:spLocks noGrp="1"/>
-          </p:cNvSpPr>
-          <p:nvPr>
-            <p:ph type="title"/>
-          </p:nvPr>
-        </p:nvSpPr>
-        <p:spPr>
-          <a:xfrm>
-            <a:off x="1179226" y="0"/>
-            <a:ext cx="9833548" cy="1066802"/>
-          </a:xfrm>
-        </p:spPr>
-        <p:txBody>
-          <a:bodyPr anchor="b">
-            <a:normAutofit/>
-          </a:bodyPr>
-          <a:lstStyle/>
-          <a:p>
-            <a:r>
-              <a:rPr lang="tr-TR" sz="3600" dirty="0">
-                <a:solidFill>
-                  <a:schemeClr val="tx2"/>
-                </a:solidFill>
-              </a:rPr>
-              <a:t>Kİ-KARE UYUM İYİLİĞİ TESTİ</a:t>
-            </a:r>
-          </a:p>
-        </p:txBody>
-      </p:sp>
       <p:grpSp>
         <p:nvGrpSpPr>
           <p:cNvPr id="12" name="Group 11">
@@ -14806,6 +14767,776 @@
           </a:p>
         </p:txBody>
       </p:sp>
+      <mc:AlternateContent xmlns:mc="http://schemas.openxmlformats.org/markup-compatibility/2006">
+        <mc:Choice xmlns:a14="http://schemas.microsoft.com/office/drawing/2010/main" Requires="a14">
+          <p:sp>
+            <p:nvSpPr>
+              <p:cNvPr id="11" name="İçerik Yer Tutucusu 2">
+                <a:extLst>
+                  <a:ext uri="{FF2B5EF4-FFF2-40B4-BE49-F238E27FC236}">
+                    <a16:creationId xmlns:a16="http://schemas.microsoft.com/office/drawing/2014/main" id="{1B2456B3-DBF7-48E6-A453-93B9D2E1CC5A}"/>
+                  </a:ext>
+                </a:extLst>
+              </p:cNvPr>
+              <p:cNvSpPr>
+                <a:spLocks noGrp="1"/>
+              </p:cNvSpPr>
+              <p:nvPr>
+                <p:ph type="title"/>
+              </p:nvPr>
+            </p:nvSpPr>
+            <p:spPr>
+              <a:xfrm>
+                <a:off x="221638" y="307130"/>
+                <a:ext cx="10704268" cy="5645610"/>
+              </a:xfrm>
+            </p:spPr>
+            <p:txBody>
+              <a:bodyPr>
+                <a:normAutofit/>
+              </a:bodyPr>
+              <a:lstStyle/>
+              <a:p>
+                <a:pPr>
+                  <a:lnSpc>
+                    <a:spcPct val="50000"/>
+                  </a:lnSpc>
+                </a:pPr>
+                <a:br>
+                  <a:rPr lang="tr-TR" sz="1800" b="0" i="0" u="none" strike="noStrike" baseline="0" dirty="0">
+                    <a:solidFill>
+                      <a:srgbClr val="000000"/>
+                    </a:solidFill>
+                    <a:latin typeface="Arial" panose="020B0604020202020204" pitchFamily="34" charset="0"/>
+                  </a:rPr>
+                </a:br>
+                <a:r>
+                  <a:rPr lang="tr-TR" sz="2000" b="0" i="0" u="none" strike="noStrike" baseline="0" dirty="0">
+                    <a:solidFill>
+                      <a:srgbClr val="000000"/>
+                    </a:solidFill>
+                    <a:latin typeface="Times New Roman" panose="02020603050405020304" pitchFamily="18" charset="0"/>
+                    <a:cs typeface="Times New Roman" panose="02020603050405020304" pitchFamily="18" charset="0"/>
+                  </a:rPr>
+                  <a:t>Örnek olarak daha önceki deterjan tercih problemi ele alınırsa;</a:t>
+                </a:r>
+                <a:br>
+                  <a:rPr lang="tr-TR" sz="2000" b="0" i="0" u="none" strike="noStrike" baseline="0" dirty="0">
+                    <a:solidFill>
+                      <a:srgbClr val="000000"/>
+                    </a:solidFill>
+                    <a:latin typeface="Times New Roman" panose="02020603050405020304" pitchFamily="18" charset="0"/>
+                    <a:cs typeface="Times New Roman" panose="02020603050405020304" pitchFamily="18" charset="0"/>
+                  </a:rPr>
+                </a:br>
+                <a:br>
+                  <a:rPr lang="tr-TR" sz="2000" dirty="0">
+                    <a:solidFill>
+                      <a:srgbClr val="000000"/>
+                    </a:solidFill>
+                    <a:latin typeface="Times New Roman" panose="02020603050405020304" pitchFamily="18" charset="0"/>
+                    <a:cs typeface="Times New Roman" panose="02020603050405020304" pitchFamily="18" charset="0"/>
+                  </a:rPr>
+                </a:br>
+                <a:br>
+                  <a:rPr lang="tr-TR" sz="2000" b="0" i="0" u="none" strike="noStrike" baseline="0" dirty="0">
+                    <a:solidFill>
+                      <a:srgbClr val="000000"/>
+                    </a:solidFill>
+                    <a:latin typeface="Times New Roman" panose="02020603050405020304" pitchFamily="18" charset="0"/>
+                    <a:cs typeface="Times New Roman" panose="02020603050405020304" pitchFamily="18" charset="0"/>
+                  </a:rPr>
+                </a:br>
+                <a:br>
+                  <a:rPr lang="tr-TR" sz="2000" b="0" i="0" u="none" strike="noStrike" baseline="0" dirty="0">
+                    <a:solidFill>
+                      <a:srgbClr val="000000"/>
+                    </a:solidFill>
+                    <a:latin typeface="Times New Roman" panose="02020603050405020304" pitchFamily="18" charset="0"/>
+                    <a:cs typeface="Times New Roman" panose="02020603050405020304" pitchFamily="18" charset="0"/>
+                  </a:rPr>
+                </a:br>
+                <a:r>
+                  <a:rPr lang="tr-TR" sz="2000" b="0" i="0" u="none" strike="noStrike" baseline="0" dirty="0">
+                    <a:solidFill>
+                      <a:srgbClr val="000000"/>
+                    </a:solidFill>
+                    <a:latin typeface="Times New Roman" panose="02020603050405020304" pitchFamily="18" charset="0"/>
+                    <a:cs typeface="Times New Roman" panose="02020603050405020304" pitchFamily="18" charset="0"/>
+                  </a:rPr>
+                  <a:t>Piyasada sadece 6 marka deterjan varsa ve bunların tüketim miktarları aynı ise tüketim oranları da aynı</a:t>
+                </a:r>
+                <a:br>
+                  <a:rPr lang="tr-TR" sz="2000" b="0" i="0" u="none" strike="noStrike" baseline="0" dirty="0">
+                    <a:solidFill>
+                      <a:srgbClr val="000000"/>
+                    </a:solidFill>
+                    <a:latin typeface="Times New Roman" panose="02020603050405020304" pitchFamily="18" charset="0"/>
+                    <a:cs typeface="Times New Roman" panose="02020603050405020304" pitchFamily="18" charset="0"/>
+                  </a:rPr>
+                </a:br>
+                <a:br>
+                  <a:rPr lang="tr-TR" sz="2000" dirty="0">
+                    <a:solidFill>
+                      <a:srgbClr val="000000"/>
+                    </a:solidFill>
+                    <a:latin typeface="Times New Roman" panose="02020603050405020304" pitchFamily="18" charset="0"/>
+                    <a:cs typeface="Times New Roman" panose="02020603050405020304" pitchFamily="18" charset="0"/>
+                  </a:rPr>
+                </a:br>
+                <a:r>
+                  <a:rPr lang="tr-TR" sz="2000" b="0" i="0" u="none" strike="noStrike" baseline="0" dirty="0">
+                    <a:solidFill>
+                      <a:srgbClr val="000000"/>
+                    </a:solidFill>
+                    <a:latin typeface="Times New Roman" panose="02020603050405020304" pitchFamily="18" charset="0"/>
+                    <a:cs typeface="Times New Roman" panose="02020603050405020304" pitchFamily="18" charset="0"/>
+                  </a:rPr>
+                  <a:t>olacaktır. </a:t>
+                </a:r>
+                <a:br>
+                  <a:rPr lang="tr-TR" sz="2000" b="0" i="0" u="none" strike="noStrike" baseline="0" dirty="0">
+                    <a:solidFill>
+                      <a:srgbClr val="000000"/>
+                    </a:solidFill>
+                    <a:latin typeface="Times New Roman" panose="02020603050405020304" pitchFamily="18" charset="0"/>
+                    <a:cs typeface="Times New Roman" panose="02020603050405020304" pitchFamily="18" charset="0"/>
+                  </a:rPr>
+                </a:br>
+                <a:br>
+                  <a:rPr lang="tr-TR" sz="2000" b="0" i="0" u="none" strike="noStrike" baseline="0" dirty="0">
+                    <a:solidFill>
+                      <a:srgbClr val="000000"/>
+                    </a:solidFill>
+                    <a:latin typeface="Times New Roman" panose="02020603050405020304" pitchFamily="18" charset="0"/>
+                    <a:cs typeface="Times New Roman" panose="02020603050405020304" pitchFamily="18" charset="0"/>
+                  </a:rPr>
+                </a:br>
+                <a:br>
+                  <a:rPr lang="tr-TR" sz="2000" b="0" i="0" u="none" strike="noStrike" baseline="0" dirty="0">
+                    <a:solidFill>
+                      <a:srgbClr val="000000"/>
+                    </a:solidFill>
+                    <a:latin typeface="Times New Roman" panose="02020603050405020304" pitchFamily="18" charset="0"/>
+                    <a:cs typeface="Times New Roman" panose="02020603050405020304" pitchFamily="18" charset="0"/>
+                  </a:rPr>
+                </a:br>
+                <a:r>
+                  <a:rPr lang="tr-TR" sz="2000" b="0" i="0" u="none" strike="noStrike" baseline="0" dirty="0">
+                    <a:solidFill>
+                      <a:srgbClr val="000000"/>
+                    </a:solidFill>
+                    <a:latin typeface="Times New Roman" panose="02020603050405020304" pitchFamily="18" charset="0"/>
+                    <a:cs typeface="Times New Roman" panose="02020603050405020304" pitchFamily="18" charset="0"/>
+                  </a:rPr>
+                  <a:t>Yani bir düzgün (uniform, tekdüze) dağılımdan söz edilmektedir. </a:t>
+                </a:r>
+                <a:br>
+                  <a:rPr lang="tr-TR" sz="2000" b="0" i="0" u="none" strike="noStrike" baseline="0" dirty="0">
+                    <a:solidFill>
+                      <a:srgbClr val="000000"/>
+                    </a:solidFill>
+                    <a:latin typeface="Times New Roman" panose="02020603050405020304" pitchFamily="18" charset="0"/>
+                    <a:cs typeface="Times New Roman" panose="02020603050405020304" pitchFamily="18" charset="0"/>
+                  </a:rPr>
+                </a:br>
+                <a:br>
+                  <a:rPr lang="tr-TR" sz="2000" dirty="0">
+                    <a:solidFill>
+                      <a:srgbClr val="000000"/>
+                    </a:solidFill>
+                    <a:latin typeface="Times New Roman" panose="02020603050405020304" pitchFamily="18" charset="0"/>
+                    <a:cs typeface="Times New Roman" panose="02020603050405020304" pitchFamily="18" charset="0"/>
+                  </a:rPr>
+                </a:br>
+                <a:br>
+                  <a:rPr lang="tr-TR" sz="2000" b="0" i="0" u="none" strike="noStrike" baseline="0" dirty="0">
+                    <a:solidFill>
+                      <a:srgbClr val="000000"/>
+                    </a:solidFill>
+                    <a:latin typeface="Times New Roman" panose="02020603050405020304" pitchFamily="18" charset="0"/>
+                    <a:cs typeface="Times New Roman" panose="02020603050405020304" pitchFamily="18" charset="0"/>
+                  </a:rPr>
+                </a:br>
+                <a:br>
+                  <a:rPr lang="tr-TR" sz="2000" b="0" i="0" u="none" strike="noStrike" baseline="0" dirty="0">
+                    <a:solidFill>
+                      <a:srgbClr val="000000"/>
+                    </a:solidFill>
+                    <a:latin typeface="Times New Roman" panose="02020603050405020304" pitchFamily="18" charset="0"/>
+                    <a:cs typeface="Times New Roman" panose="02020603050405020304" pitchFamily="18" charset="0"/>
+                  </a:rPr>
+                </a:br>
+                <a:r>
+                  <a:rPr lang="tr-TR" sz="2000" b="0" i="0" u="none" strike="noStrike" baseline="0" dirty="0">
+                    <a:solidFill>
+                      <a:srgbClr val="000000"/>
+                    </a:solidFill>
+                    <a:latin typeface="Times New Roman" panose="02020603050405020304" pitchFamily="18" charset="0"/>
+                    <a:cs typeface="Times New Roman" panose="02020603050405020304" pitchFamily="18" charset="0"/>
+                  </a:rPr>
+                  <a:t>Bu durumda Bj değeri j’inci sınıfa ilişkin beklenen frekans olmak üzere aşağıdaki eşitlikler yazılabilir.</a:t>
+                </a:r>
+                <a:br>
+                  <a:rPr lang="tr-TR" sz="2000" b="0" i="0" u="none" strike="noStrike" baseline="0" dirty="0">
+                    <a:solidFill>
+                      <a:srgbClr val="000000"/>
+                    </a:solidFill>
+                    <a:latin typeface="Times New Roman" panose="02020603050405020304" pitchFamily="18" charset="0"/>
+                    <a:cs typeface="Times New Roman" panose="02020603050405020304" pitchFamily="18" charset="0"/>
+                  </a:rPr>
+                </a:br>
+                <a:br>
+                  <a:rPr lang="tr-TR" sz="2000" b="0" i="0" u="none" strike="noStrike" baseline="0" dirty="0">
+                    <a:solidFill>
+                      <a:srgbClr val="000000"/>
+                    </a:solidFill>
+                    <a:latin typeface="Times New Roman" panose="02020603050405020304" pitchFamily="18" charset="0"/>
+                    <a:cs typeface="Times New Roman" panose="02020603050405020304" pitchFamily="18" charset="0"/>
+                  </a:rPr>
+                </a:br>
+                <a:br>
+                  <a:rPr lang="tr-TR" sz="2000" b="0" i="0" u="none" strike="noStrike" baseline="0" dirty="0">
+                    <a:solidFill>
+                      <a:srgbClr val="000000"/>
+                    </a:solidFill>
+                    <a:latin typeface="Times New Roman" panose="02020603050405020304" pitchFamily="18" charset="0"/>
+                    <a:cs typeface="Times New Roman" panose="02020603050405020304" pitchFamily="18" charset="0"/>
+                  </a:rPr>
+                </a:br>
+                <a:br>
+                  <a:rPr lang="tr-TR" sz="2000" b="0" i="0" u="none" strike="noStrike" baseline="0" dirty="0">
+                    <a:solidFill>
+                      <a:srgbClr val="000000"/>
+                    </a:solidFill>
+                    <a:latin typeface="Times New Roman" panose="02020603050405020304" pitchFamily="18" charset="0"/>
+                    <a:cs typeface="Times New Roman" panose="02020603050405020304" pitchFamily="18" charset="0"/>
+                  </a:rPr>
+                </a:br>
+                <a:r>
+                  <a:rPr lang="tr-TR" sz="2000" dirty="0">
+                    <a:latin typeface="Times New Roman" panose="02020603050405020304" pitchFamily="18" charset="0"/>
+                    <a:cs typeface="Times New Roman" panose="02020603050405020304" pitchFamily="18" charset="0"/>
+                  </a:rPr>
+                  <a:t>p1 = p2 = … = p6 (</a:t>
+                </a:r>
+                <a14:m>
+                  <m:oMath xmlns:m="http://schemas.openxmlformats.org/officeDocument/2006/math">
+                    <m:f>
+                      <m:fPr>
+                        <m:ctrlPr>
+                          <a:rPr lang="tr-TR" sz="2000" dirty="0" smtClean="0">
+                            <a:solidFill>
+                              <a:srgbClr val="836967"/>
+                            </a:solidFill>
+                            <a:latin typeface="Cambria Math" panose="02040503050406030204" pitchFamily="18" charset="0"/>
+                          </a:rPr>
+                        </m:ctrlPr>
+                      </m:fPr>
+                      <m:num>
+                        <m:r>
+                          <a:rPr lang="tr-TR" sz="2000" dirty="0">
+                            <a:latin typeface="Cambria Math" panose="02040503050406030204" pitchFamily="18" charset="0"/>
+                          </a:rPr>
+                          <m:t>1</m:t>
+                        </m:r>
+                      </m:num>
+                      <m:den>
+                        <m:r>
+                          <a:rPr lang="tr-TR" sz="2000" i="0" dirty="0">
+                            <a:latin typeface="Cambria Math" panose="02040503050406030204" pitchFamily="18" charset="0"/>
+                          </a:rPr>
+                          <m:t>6</m:t>
+                        </m:r>
+                      </m:den>
+                    </m:f>
+                    <m:r>
+                      <a:rPr lang="tr-TR" sz="2000" b="0" i="1" dirty="0" smtClean="0">
+                        <a:latin typeface="Cambria Math" panose="02040503050406030204" pitchFamily="18" charset="0"/>
+                      </a:rPr>
+                      <m:t>)</m:t>
+                    </m:r>
+                  </m:oMath>
+                </a14:m>
+                <a:br>
+                  <a:rPr lang="tr-TR" sz="2000" dirty="0">
+                    <a:latin typeface="Times New Roman" panose="02020603050405020304" pitchFamily="18" charset="0"/>
+                    <a:cs typeface="Times New Roman" panose="02020603050405020304" pitchFamily="18" charset="0"/>
+                  </a:rPr>
+                </a:br>
+                <a:br>
+                  <a:rPr lang="tr-TR" sz="2000" dirty="0">
+                    <a:latin typeface="Times New Roman" panose="02020603050405020304" pitchFamily="18" charset="0"/>
+                    <a:cs typeface="Times New Roman" panose="02020603050405020304" pitchFamily="18" charset="0"/>
+                  </a:rPr>
+                </a:br>
+                <a:br>
+                  <a:rPr lang="tr-TR" sz="2000" dirty="0">
+                    <a:latin typeface="Times New Roman" panose="02020603050405020304" pitchFamily="18" charset="0"/>
+                    <a:cs typeface="Times New Roman" panose="02020603050405020304" pitchFamily="18" charset="0"/>
+                  </a:rPr>
+                </a:br>
+                <a:br>
+                  <a:rPr lang="tr-TR" sz="2000" dirty="0">
+                    <a:latin typeface="Times New Roman" panose="02020603050405020304" pitchFamily="18" charset="0"/>
+                    <a:cs typeface="Times New Roman" panose="02020603050405020304" pitchFamily="18" charset="0"/>
+                  </a:rPr>
+                </a:br>
+                <a14:m>
+                  <m:oMath xmlns:m="http://schemas.openxmlformats.org/officeDocument/2006/math">
+                    <m:sSub>
+                      <m:sSubPr>
+                        <m:ctrlPr>
+                          <a:rPr lang="tr-TR" sz="2000" i="1" dirty="0">
+                            <a:solidFill>
+                              <a:srgbClr val="836967"/>
+                            </a:solidFill>
+                            <a:latin typeface="Cambria Math" panose="02040503050406030204" pitchFamily="18" charset="0"/>
+                          </a:rPr>
+                        </m:ctrlPr>
+                      </m:sSubPr>
+                      <m:e>
+                        <m:r>
+                          <a:rPr lang="tr-TR" sz="2000" i="1" dirty="0">
+                            <a:latin typeface="Cambria Math" panose="02040503050406030204" pitchFamily="18" charset="0"/>
+                          </a:rPr>
+                          <m:t>𝐵</m:t>
+                        </m:r>
+                      </m:e>
+                      <m:sub>
+                        <m:r>
+                          <a:rPr lang="tr-TR" sz="2000" i="1" dirty="0">
+                            <a:latin typeface="Cambria Math" panose="02040503050406030204" pitchFamily="18" charset="0"/>
+                          </a:rPr>
+                          <m:t>𝑗</m:t>
+                        </m:r>
+                      </m:sub>
+                    </m:sSub>
+                  </m:oMath>
+                </a14:m>
+                <a:r>
+                  <a:rPr lang="tr-TR" sz="2000" dirty="0">
+                    <a:latin typeface="Times New Roman" panose="02020603050405020304" pitchFamily="18" charset="0"/>
+                    <a:cs typeface="Times New Roman" panose="02020603050405020304" pitchFamily="18" charset="0"/>
+                  </a:rPr>
+                  <a:t> = B1 = B2 = B3 = B4 = B5 = B6 = 90 (</a:t>
+                </a:r>
+                <a14:m>
+                  <m:oMath xmlns:m="http://schemas.openxmlformats.org/officeDocument/2006/math">
+                    <m:f>
+                      <m:fPr>
+                        <m:ctrlPr>
+                          <a:rPr lang="tr-TR" sz="2000" i="1" dirty="0">
+                            <a:solidFill>
+                              <a:srgbClr val="836967"/>
+                            </a:solidFill>
+                            <a:latin typeface="Cambria Math" panose="02040503050406030204" pitchFamily="18" charset="0"/>
+                          </a:rPr>
+                        </m:ctrlPr>
+                      </m:fPr>
+                      <m:num>
+                        <m:r>
+                          <a:rPr lang="tr-TR" sz="2000" dirty="0">
+                            <a:latin typeface="Cambria Math" panose="02040503050406030204" pitchFamily="18" charset="0"/>
+                          </a:rPr>
+                          <m:t>1</m:t>
+                        </m:r>
+                      </m:num>
+                      <m:den>
+                        <m:r>
+                          <a:rPr lang="tr-TR" sz="2000" dirty="0">
+                            <a:latin typeface="Cambria Math" panose="02040503050406030204" pitchFamily="18" charset="0"/>
+                          </a:rPr>
+                          <m:t>6</m:t>
+                        </m:r>
+                      </m:den>
+                    </m:f>
+                  </m:oMath>
+                </a14:m>
+                <a:r>
+                  <a:rPr lang="tr-TR" sz="2000" dirty="0">
+                    <a:latin typeface="Times New Roman" panose="02020603050405020304" pitchFamily="18" charset="0"/>
+                    <a:cs typeface="Times New Roman" panose="02020603050405020304" pitchFamily="18" charset="0"/>
+                  </a:rPr>
+                  <a:t>) = 15</a:t>
+                </a:r>
+                <a:br>
+                  <a:rPr lang="tr-TR" sz="2000" dirty="0">
+                    <a:latin typeface="Times New Roman" panose="02020603050405020304" pitchFamily="18" charset="0"/>
+                    <a:cs typeface="Times New Roman" panose="02020603050405020304" pitchFamily="18" charset="0"/>
+                  </a:rPr>
+                </a:br>
+                <a:br>
+                  <a:rPr lang="tr-TR" dirty="0"/>
+                </a:br>
+                <a:r>
+                  <a:rPr lang="tr-TR" sz="2200" dirty="0">
+                    <a:latin typeface="Times New Roman" panose="02020603050405020304" pitchFamily="18" charset="0"/>
+                    <a:cs typeface="Times New Roman" panose="02020603050405020304" pitchFamily="18" charset="0"/>
+                  </a:rPr>
+                  <a:t>Gözlenen frekanslar ve beklenen frekanslar aşağıda sınıflara göre verilmiştir.</a:t>
+                </a:r>
+                <a:br>
+                  <a:rPr lang="tr-TR" dirty="0"/>
+                </a:br>
+                <a:endParaRPr lang="tr-TR" sz="2000" dirty="0">
+                  <a:latin typeface="Times New Roman" panose="02020603050405020304" pitchFamily="18" charset="0"/>
+                  <a:cs typeface="Times New Roman" panose="02020603050405020304" pitchFamily="18" charset="0"/>
+                </a:endParaRPr>
+              </a:p>
+            </p:txBody>
+          </p:sp>
+        </mc:Choice>
+        <mc:Fallback>
+          <p:sp>
+            <p:nvSpPr>
+              <p:cNvPr id="11" name="İçerik Yer Tutucusu 2">
+                <a:extLst>
+                  <a:ext uri="{FF2B5EF4-FFF2-40B4-BE49-F238E27FC236}">
+                    <a16:creationId xmlns:a16="http://schemas.microsoft.com/office/drawing/2014/main" id="{1B2456B3-DBF7-48E6-A453-93B9D2E1CC5A}"/>
+                  </a:ext>
+                </a:extLst>
+              </p:cNvPr>
+              <p:cNvSpPr>
+                <a:spLocks noGrp="1" noRot="1" noChangeAspect="1" noMove="1" noResize="1" noEditPoints="1" noAdjustHandles="1" noChangeArrowheads="1" noChangeShapeType="1" noTextEdit="1"/>
+              </p:cNvSpPr>
+              <p:nvPr>
+                <p:ph type="title"/>
+              </p:nvPr>
+            </p:nvSpPr>
+            <p:spPr>
+              <a:xfrm>
+                <a:off x="221638" y="307130"/>
+                <a:ext cx="10704268" cy="5645610"/>
+              </a:xfrm>
+              <a:blipFill>
+                <a:blip r:embed="rId2"/>
+                <a:stretch>
+                  <a:fillRect l="-740"/>
+                </a:stretch>
+              </a:blipFill>
+            </p:spPr>
+            <p:txBody>
+              <a:bodyPr/>
+              <a:lstStyle/>
+              <a:p>
+                <a:r>
+                  <a:rPr lang="tr-TR">
+                    <a:noFill/>
+                  </a:rPr>
+                  <a:t> </a:t>
+                </a:r>
+              </a:p>
+            </p:txBody>
+          </p:sp>
+        </mc:Fallback>
+      </mc:AlternateContent>
+      <p:sp>
+        <p:nvSpPr>
+          <p:cNvPr id="17" name="Metin kutusu 16">
+            <a:extLst>
+              <a:ext uri="{FF2B5EF4-FFF2-40B4-BE49-F238E27FC236}">
+                <a16:creationId xmlns:a16="http://schemas.microsoft.com/office/drawing/2014/main" id="{AA4BAEFE-DD20-4480-963A-C6A015E14451}"/>
+              </a:ext>
+            </a:extLst>
+          </p:cNvPr>
+          <p:cNvSpPr txBox="1"/>
+          <p:nvPr/>
+        </p:nvSpPr>
+        <p:spPr>
+          <a:xfrm>
+            <a:off x="221638" y="118578"/>
+            <a:ext cx="6094520" cy="646331"/>
+          </a:xfrm>
+          <a:prstGeom prst="rect">
+            <a:avLst/>
+          </a:prstGeom>
+          <a:noFill/>
+        </p:spPr>
+        <p:txBody>
+          <a:bodyPr wrap="square">
+            <a:spAutoFit/>
+          </a:bodyPr>
+          <a:lstStyle/>
+          <a:p>
+            <a:r>
+              <a:rPr lang="tr-TR" sz="3600" dirty="0">
+                <a:solidFill>
+                  <a:srgbClr val="5C646F"/>
+                </a:solidFill>
+                <a:latin typeface="Times New Roman" panose="02020603050405020304" pitchFamily="18" charset="0"/>
+                <a:cs typeface="Times New Roman" panose="02020603050405020304" pitchFamily="18" charset="0"/>
+              </a:rPr>
+              <a:t>Örnek :</a:t>
+            </a:r>
+            <a:endParaRPr lang="tr-TR" sz="3600" dirty="0"/>
+          </a:p>
+        </p:txBody>
+      </p:sp>
+      <mc:AlternateContent xmlns:mc="http://schemas.openxmlformats.org/markup-compatibility/2006">
+        <mc:Choice xmlns:a14="http://schemas.microsoft.com/office/drawing/2010/main" Requires="a14">
+          <p:graphicFrame>
+            <p:nvGraphicFramePr>
+              <p:cNvPr id="5" name="Tablo 5">
+                <a:extLst>
+                  <a:ext uri="{FF2B5EF4-FFF2-40B4-BE49-F238E27FC236}">
+                    <a16:creationId xmlns:a16="http://schemas.microsoft.com/office/drawing/2014/main" id="{ECF168E6-B258-4148-86E5-1E3A2954F5D4}"/>
+                  </a:ext>
+                </a:extLst>
+              </p:cNvPr>
+              <p:cNvGraphicFramePr>
+                <a:graphicFrameLocks noGrp="1"/>
+              </p:cNvGraphicFramePr>
+              <p:nvPr>
+                <p:extLst>
+                  <p:ext uri="{D42A27DB-BD31-4B8C-83A1-F6EECF244321}">
+                    <p14:modId xmlns:p14="http://schemas.microsoft.com/office/powerpoint/2010/main" val="2869026651"/>
+                  </p:ext>
+                </p:extLst>
+              </p:nvPr>
+            </p:nvGraphicFramePr>
+            <p:xfrm>
+              <a:off x="241453" y="5392485"/>
+              <a:ext cx="8128000" cy="1055116"/>
+            </p:xfrm>
+            <a:graphic>
+              <a:graphicData uri="http://schemas.openxmlformats.org/drawingml/2006/table">
+                <a:tbl>
+                  <a:tblPr firstRow="1" bandRow="1">
+                    <a:tableStyleId>{5C22544A-7EE6-4342-B048-85BDC9FD1C3A}</a:tableStyleId>
+                  </a:tblPr>
+                  <a:tblGrid>
+                    <a:gridCol w="8128000">
+                      <a:extLst>
+                        <a:ext uri="{9D8B030D-6E8A-4147-A177-3AD203B41FA5}">
+                          <a16:colId xmlns:a16="http://schemas.microsoft.com/office/drawing/2014/main" val="2655458171"/>
+                        </a:ext>
+                      </a:extLst>
+                    </a:gridCol>
+                  </a:tblGrid>
+                  <a:tr h="370840">
+                    <a:tc>
+                      <a:txBody>
+                        <a:bodyPr/>
+                        <a:lstStyle/>
+                        <a:p>
+                          <a:r>
+                            <a:rPr lang="tr-TR" dirty="0"/>
+                            <a:t>Sınıflar (deterjan markası)       A       B       C       D       E       F           TOPLAM </a:t>
+                          </a:r>
+                        </a:p>
+                      </a:txBody>
+                      <a:tcPr/>
+                    </a:tc>
+                    <a:extLst>
+                      <a:ext uri="{0D108BD9-81ED-4DB2-BD59-A6C34878D82A}">
+                        <a16:rowId xmlns:a16="http://schemas.microsoft.com/office/drawing/2014/main" val="1134901591"/>
+                      </a:ext>
+                    </a:extLst>
+                  </a:tr>
+                  <a:tr h="370840">
+                    <a:tc>
+                      <a:txBody>
+                        <a:bodyPr/>
+                        <a:lstStyle/>
+                        <a:p>
+                          <a:r>
+                            <a:rPr lang="tr-TR" dirty="0"/>
+                            <a:t>Gözlenen frekanslar (</a:t>
+                          </a:r>
+                          <a14:m>
+                            <m:oMath xmlns:m="http://schemas.openxmlformats.org/officeDocument/2006/math">
+                              <m:sSub>
+                                <m:sSubPr>
+                                  <m:ctrlPr>
+                                    <a:rPr lang="tr-TR" i="1" smtClean="0">
+                                      <a:solidFill>
+                                        <a:srgbClr val="836967"/>
+                                      </a:solidFill>
+                                      <a:latin typeface="Cambria Math" panose="02040503050406030204" pitchFamily="18" charset="0"/>
+                                    </a:rPr>
+                                  </m:ctrlPr>
+                                </m:sSubPr>
+                                <m:e>
+                                  <m:r>
+                                    <a:rPr lang="tr-TR" i="1" smtClean="0">
+                                      <a:latin typeface="Cambria Math" panose="02040503050406030204" pitchFamily="18" charset="0"/>
+                                    </a:rPr>
+                                    <m:t>𝐺</m:t>
+                                  </m:r>
+                                </m:e>
+                                <m:sub>
+                                  <m:r>
+                                    <a:rPr lang="tr-TR" i="1" smtClean="0">
+                                      <a:latin typeface="Cambria Math" panose="02040503050406030204" pitchFamily="18" charset="0"/>
+                                    </a:rPr>
+                                    <m:t>𝑗</m:t>
+                                  </m:r>
+                                </m:sub>
+                              </m:sSub>
+                            </m:oMath>
+                          </a14:m>
+                          <a:r>
+                            <a:rPr lang="tr-TR" dirty="0"/>
+                            <a:t>)          10    17      23     15</a:t>
+                          </a:r>
+                          <a:r>
+                            <a:rPr lang="tr-TR" baseline="0" dirty="0"/>
+                            <a:t>     18     7                90</a:t>
+                          </a:r>
+                          <a:endParaRPr lang="tr-TR" dirty="0"/>
+                        </a:p>
+                        <a:p>
+                          <a:r>
+                            <a:rPr lang="tr-TR" dirty="0"/>
+                            <a:t>Beklenen frekanslar (</a:t>
+                          </a:r>
+                          <a14:m>
+                            <m:oMath xmlns:m="http://schemas.openxmlformats.org/officeDocument/2006/math">
+                              <m:sSub>
+                                <m:sSubPr>
+                                  <m:ctrlPr>
+                                    <a:rPr lang="tr-TR" sz="1800" i="1" dirty="0" smtClean="0">
+                                      <a:solidFill>
+                                        <a:srgbClr val="836967"/>
+                                      </a:solidFill>
+                                      <a:latin typeface="Cambria Math" panose="02040503050406030204" pitchFamily="18" charset="0"/>
+                                    </a:rPr>
+                                  </m:ctrlPr>
+                                </m:sSubPr>
+                                <m:e>
+                                  <m:r>
+                                    <a:rPr lang="tr-TR" sz="1800" i="1" dirty="0">
+                                      <a:latin typeface="Cambria Math" panose="02040503050406030204" pitchFamily="18" charset="0"/>
+                                    </a:rPr>
+                                    <m:t>𝐵</m:t>
+                                  </m:r>
+                                </m:e>
+                                <m:sub>
+                                  <m:r>
+                                    <a:rPr lang="tr-TR" sz="1800" i="1" dirty="0">
+                                      <a:latin typeface="Cambria Math" panose="02040503050406030204" pitchFamily="18" charset="0"/>
+                                    </a:rPr>
+                                    <m:t>𝑗</m:t>
+                                  </m:r>
+                                </m:sub>
+                              </m:sSub>
+                            </m:oMath>
+                          </a14:m>
+                          <a:r>
+                            <a:rPr lang="tr-TR" dirty="0"/>
+                            <a:t>)          15    15      15     15</a:t>
+                          </a:r>
+                          <a:r>
+                            <a:rPr lang="tr-TR" baseline="0" dirty="0"/>
+                            <a:t>     15    15               90</a:t>
+                          </a:r>
+                          <a:endParaRPr lang="tr-TR" dirty="0"/>
+                        </a:p>
+                      </a:txBody>
+                      <a:tcPr/>
+                    </a:tc>
+                    <a:extLst>
+                      <a:ext uri="{0D108BD9-81ED-4DB2-BD59-A6C34878D82A}">
+                        <a16:rowId xmlns:a16="http://schemas.microsoft.com/office/drawing/2014/main" val="1531944725"/>
+                      </a:ext>
+                    </a:extLst>
+                  </a:tr>
+                </a:tbl>
+              </a:graphicData>
+            </a:graphic>
+          </p:graphicFrame>
+        </mc:Choice>
+        <mc:Fallback>
+          <p:graphicFrame>
+            <p:nvGraphicFramePr>
+              <p:cNvPr id="5" name="Tablo 5">
+                <a:extLst>
+                  <a:ext uri="{FF2B5EF4-FFF2-40B4-BE49-F238E27FC236}">
+                    <a16:creationId xmlns:a16="http://schemas.microsoft.com/office/drawing/2014/main" id="{ECF168E6-B258-4148-86E5-1E3A2954F5D4}"/>
+                  </a:ext>
+                </a:extLst>
+              </p:cNvPr>
+              <p:cNvGraphicFramePr>
+                <a:graphicFrameLocks noGrp="1"/>
+              </p:cNvGraphicFramePr>
+              <p:nvPr>
+                <p:extLst>
+                  <p:ext uri="{D42A27DB-BD31-4B8C-83A1-F6EECF244321}">
+                    <p14:modId xmlns:p14="http://schemas.microsoft.com/office/powerpoint/2010/main" val="2869026651"/>
+                  </p:ext>
+                </p:extLst>
+              </p:nvPr>
+            </p:nvGraphicFramePr>
+            <p:xfrm>
+              <a:off x="241453" y="5392485"/>
+              <a:ext cx="8128000" cy="1055116"/>
+            </p:xfrm>
+            <a:graphic>
+              <a:graphicData uri="http://schemas.openxmlformats.org/drawingml/2006/table">
+                <a:tbl>
+                  <a:tblPr firstRow="1" bandRow="1">
+                    <a:tableStyleId>{5C22544A-7EE6-4342-B048-85BDC9FD1C3A}</a:tableStyleId>
+                  </a:tblPr>
+                  <a:tblGrid>
+                    <a:gridCol w="8128000">
+                      <a:extLst>
+                        <a:ext uri="{9D8B030D-6E8A-4147-A177-3AD203B41FA5}">
+                          <a16:colId xmlns:a16="http://schemas.microsoft.com/office/drawing/2014/main" val="2655458171"/>
+                        </a:ext>
+                      </a:extLst>
+                    </a:gridCol>
+                  </a:tblGrid>
+                  <a:tr h="370840">
+                    <a:tc>
+                      <a:txBody>
+                        <a:bodyPr/>
+                        <a:lstStyle/>
+                        <a:p>
+                          <a:r>
+                            <a:rPr lang="tr-TR" dirty="0"/>
+                            <a:t>Sınıflar (deterjan markası)       A       B       C       D       E       F           TOPLAM </a:t>
+                          </a:r>
+                        </a:p>
+                      </a:txBody>
+                      <a:tcPr/>
+                    </a:tc>
+                    <a:extLst>
+                      <a:ext uri="{0D108BD9-81ED-4DB2-BD59-A6C34878D82A}">
+                        <a16:rowId xmlns:a16="http://schemas.microsoft.com/office/drawing/2014/main" val="1134901591"/>
+                      </a:ext>
+                    </a:extLst>
+                  </a:tr>
+                  <a:tr h="684276">
+                    <a:tc>
+                      <a:txBody>
+                        <a:bodyPr/>
+                        <a:lstStyle/>
+                        <a:p>
+                          <a:endParaRPr lang="tr-TR"/>
+                        </a:p>
+                      </a:txBody>
+                      <a:tcPr>
+                        <a:blipFill>
+                          <a:blip r:embed="rId3"/>
+                          <a:stretch>
+                            <a:fillRect l="-75" t="-58407" r="-375" b="-10619"/>
+                          </a:stretch>
+                        </a:blipFill>
+                      </a:tcPr>
+                    </a:tc>
+                    <a:extLst>
+                      <a:ext uri="{0D108BD9-81ED-4DB2-BD59-A6C34878D82A}">
+                        <a16:rowId xmlns:a16="http://schemas.microsoft.com/office/drawing/2014/main" val="1531944725"/>
+                      </a:ext>
+                    </a:extLst>
+                  </a:tr>
+                </a:tbl>
+              </a:graphicData>
+            </a:graphic>
+          </p:graphicFrame>
+        </mc:Fallback>
+      </mc:AlternateContent>
     </p:spTree>
     <p:extLst>
       <p:ext uri="{BB962C8B-B14F-4D97-AF65-F5344CB8AC3E}">
